--- a/public/assignments/poster-template-c-32x40.pptx
+++ b/public/assignments/poster-template-c-32x40.pptx
@@ -104,6 +104,11 @@
       </a:defRPr>
     </a:lvl9pPr>
   </p:defaultTextStyle>
+  <p:extLst>
+    <p:ext uri="{EFAFB233-063F-42B5-8137-9DF3F51BA10A}">
+      <p15:sldGuideLst xmlns:p15="http://schemas.microsoft.com/office/powerpoint/2012/main"/>
+    </p:ext>
+  </p:extLst>
 </p:presentation>
 </file>
 
@@ -238,7 +243,7 @@
           <a:p>
             <a:fld id="{C74D4ED2-8CCA-4146-B544-7DB418FDC672}" type="datetimeFigureOut">
               <a:rPr lang="en-US" smtClean="0"/>
-              <a:t>2/16/24</a:t>
+              <a:t>11/23/24</a:t>
             </a:fld>
             <a:endParaRPr lang="en-US"/>
           </a:p>
@@ -408,7 +413,7 @@
           <a:p>
             <a:fld id="{C74D4ED2-8CCA-4146-B544-7DB418FDC672}" type="datetimeFigureOut">
               <a:rPr lang="en-US" smtClean="0"/>
-              <a:t>2/16/24</a:t>
+              <a:t>11/23/24</a:t>
             </a:fld>
             <a:endParaRPr lang="en-US"/>
           </a:p>
@@ -588,7 +593,7 @@
           <a:p>
             <a:fld id="{C74D4ED2-8CCA-4146-B544-7DB418FDC672}" type="datetimeFigureOut">
               <a:rPr lang="en-US" smtClean="0"/>
-              <a:t>2/16/24</a:t>
+              <a:t>11/23/24</a:t>
             </a:fld>
             <a:endParaRPr lang="en-US"/>
           </a:p>
@@ -758,7 +763,7 @@
           <a:p>
             <a:fld id="{C74D4ED2-8CCA-4146-B544-7DB418FDC672}" type="datetimeFigureOut">
               <a:rPr lang="en-US" smtClean="0"/>
-              <a:t>2/16/24</a:t>
+              <a:t>11/23/24</a:t>
             </a:fld>
             <a:endParaRPr lang="en-US"/>
           </a:p>
@@ -1002,7 +1007,7 @@
           <a:p>
             <a:fld id="{C74D4ED2-8CCA-4146-B544-7DB418FDC672}" type="datetimeFigureOut">
               <a:rPr lang="en-US" smtClean="0"/>
-              <a:t>2/16/24</a:t>
+              <a:t>11/23/24</a:t>
             </a:fld>
             <a:endParaRPr lang="en-US"/>
           </a:p>
@@ -1234,7 +1239,7 @@
           <a:p>
             <a:fld id="{C74D4ED2-8CCA-4146-B544-7DB418FDC672}" type="datetimeFigureOut">
               <a:rPr lang="en-US" smtClean="0"/>
-              <a:t>2/16/24</a:t>
+              <a:t>11/23/24</a:t>
             </a:fld>
             <a:endParaRPr lang="en-US"/>
           </a:p>
@@ -1601,7 +1606,7 @@
           <a:p>
             <a:fld id="{C74D4ED2-8CCA-4146-B544-7DB418FDC672}" type="datetimeFigureOut">
               <a:rPr lang="en-US" smtClean="0"/>
-              <a:t>2/16/24</a:t>
+              <a:t>11/23/24</a:t>
             </a:fld>
             <a:endParaRPr lang="en-US"/>
           </a:p>
@@ -1719,7 +1724,7 @@
           <a:p>
             <a:fld id="{C74D4ED2-8CCA-4146-B544-7DB418FDC672}" type="datetimeFigureOut">
               <a:rPr lang="en-US" smtClean="0"/>
-              <a:t>2/16/24</a:t>
+              <a:t>11/23/24</a:t>
             </a:fld>
             <a:endParaRPr lang="en-US"/>
           </a:p>
@@ -1814,7 +1819,7 @@
           <a:p>
             <a:fld id="{C74D4ED2-8CCA-4146-B544-7DB418FDC672}" type="datetimeFigureOut">
               <a:rPr lang="en-US" smtClean="0"/>
-              <a:t>2/16/24</a:t>
+              <a:t>11/23/24</a:t>
             </a:fld>
             <a:endParaRPr lang="en-US"/>
           </a:p>
@@ -2091,7 +2096,7 @@
           <a:p>
             <a:fld id="{C74D4ED2-8CCA-4146-B544-7DB418FDC672}" type="datetimeFigureOut">
               <a:rPr lang="en-US" smtClean="0"/>
-              <a:t>2/16/24</a:t>
+              <a:t>11/23/24</a:t>
             </a:fld>
             <a:endParaRPr lang="en-US"/>
           </a:p>
@@ -2348,7 +2353,7 @@
           <a:p>
             <a:fld id="{C74D4ED2-8CCA-4146-B544-7DB418FDC672}" type="datetimeFigureOut">
               <a:rPr lang="en-US" smtClean="0"/>
-              <a:t>2/16/24</a:t>
+              <a:t>11/23/24</a:t>
             </a:fld>
             <a:endParaRPr lang="en-US"/>
           </a:p>
@@ -2561,7 +2566,7 @@
           <a:p>
             <a:fld id="{C74D4ED2-8CCA-4146-B544-7DB418FDC672}" type="datetimeFigureOut">
               <a:rPr lang="en-US" smtClean="0"/>
-              <a:t>2/16/24</a:t>
+              <a:t>11/23/24</a:t>
             </a:fld>
             <a:endParaRPr lang="en-US"/>
           </a:p>
@@ -4059,8 +4064,8 @@
         </p:nvSpPr>
         <p:spPr>
           <a:xfrm>
-            <a:off x="1426594" y="27401280"/>
-            <a:ext cx="6505808" cy="1148005"/>
+            <a:off x="1426593" y="27401280"/>
+            <a:ext cx="8723867" cy="1015662"/>
           </a:xfrm>
           <a:prstGeom prst="rect">
             <a:avLst/>
@@ -4094,7 +4099,7 @@
             <a:pPr defTabSz="914264"/>
             <a:r>
               <a:rPr lang="en-US" sz="6000" b="1" dirty="0"/>
-              <a:t>Design Process</a:t>
+              <a:t>Key Design Insights</a:t>
             </a:r>
           </a:p>
         </p:txBody>
@@ -4305,7 +4310,7 @@
         <p:spPr>
           <a:xfrm>
             <a:off x="800615" y="9210195"/>
-            <a:ext cx="9167106" cy="1148005"/>
+            <a:ext cx="9167106" cy="1015662"/>
           </a:xfrm>
           <a:prstGeom prst="rect">
             <a:avLst/>
@@ -4339,7 +4344,7 @@
             <a:pPr defTabSz="914264"/>
             <a:r>
               <a:rPr lang="en-US" sz="6000" b="1" dirty="0"/>
-              <a:t>Value Proposition</a:t>
+              <a:t>Our Approach</a:t>
             </a:r>
           </a:p>
         </p:txBody>
@@ -4550,7 +4555,7 @@
         <p:spPr>
           <a:xfrm>
             <a:off x="800615" y="13650286"/>
-            <a:ext cx="9167106" cy="1148005"/>
+            <a:ext cx="9167106" cy="1015662"/>
           </a:xfrm>
           <a:prstGeom prst="rect">
             <a:avLst/>
@@ -4584,7 +4589,7 @@
             <a:pPr defTabSz="914264"/>
             <a:r>
               <a:rPr lang="en-US" sz="6000" b="1" dirty="0"/>
-              <a:t>Design Features</a:t>
+              <a:t>Key Functionality</a:t>
             </a:r>
           </a:p>
         </p:txBody>
